--- a/4. UI/Day 33/Slides/9. Services and Dependency Injection/services-and-dependency-injection-slides.pptx
+++ b/4. UI/Day 33/Slides/9. Services and Dependency Injection/services-and-dependency-injection-slides.pptx
@@ -5,34 +5,34 @@
     <p:sldMasterId id="2147483648" r:id="rId1"/>
   </p:sldMasterIdLst>
   <p:notesMasterIdLst>
-    <p:notesMasterId r:id="rId28"/>
+    <p:notesMasterId r:id="rId27"/>
   </p:notesMasterIdLst>
   <p:sldIdLst>
-    <p:sldId id="256" r:id="rId3"/>
-    <p:sldId id="257" r:id="rId4"/>
-    <p:sldId id="258" r:id="rId5"/>
-    <p:sldId id="259" r:id="rId6"/>
-    <p:sldId id="260" r:id="rId7"/>
-    <p:sldId id="261" r:id="rId8"/>
-    <p:sldId id="262" r:id="rId9"/>
-    <p:sldId id="263" r:id="rId10"/>
-    <p:sldId id="264" r:id="rId11"/>
-    <p:sldId id="265" r:id="rId12"/>
-    <p:sldId id="266" r:id="rId13"/>
-    <p:sldId id="267" r:id="rId14"/>
-    <p:sldId id="268" r:id="rId15"/>
-    <p:sldId id="269" r:id="rId16"/>
-    <p:sldId id="270" r:id="rId17"/>
-    <p:sldId id="271" r:id="rId18"/>
-    <p:sldId id="272" r:id="rId19"/>
-    <p:sldId id="273" r:id="rId20"/>
-    <p:sldId id="274" r:id="rId21"/>
-    <p:sldId id="275" r:id="rId22"/>
-    <p:sldId id="276" r:id="rId23"/>
-    <p:sldId id="277" r:id="rId24"/>
-    <p:sldId id="278" r:id="rId25"/>
-    <p:sldId id="279" r:id="rId26"/>
-    <p:sldId id="280" r:id="rId27"/>
+    <p:sldId id="256" r:id="rId2"/>
+    <p:sldId id="257" r:id="rId3"/>
+    <p:sldId id="258" r:id="rId4"/>
+    <p:sldId id="259" r:id="rId5"/>
+    <p:sldId id="260" r:id="rId6"/>
+    <p:sldId id="261" r:id="rId7"/>
+    <p:sldId id="262" r:id="rId8"/>
+    <p:sldId id="263" r:id="rId9"/>
+    <p:sldId id="264" r:id="rId10"/>
+    <p:sldId id="265" r:id="rId11"/>
+    <p:sldId id="266" r:id="rId12"/>
+    <p:sldId id="267" r:id="rId13"/>
+    <p:sldId id="268" r:id="rId14"/>
+    <p:sldId id="269" r:id="rId15"/>
+    <p:sldId id="270" r:id="rId16"/>
+    <p:sldId id="271" r:id="rId17"/>
+    <p:sldId id="272" r:id="rId18"/>
+    <p:sldId id="273" r:id="rId19"/>
+    <p:sldId id="274" r:id="rId20"/>
+    <p:sldId id="275" r:id="rId21"/>
+    <p:sldId id="276" r:id="rId22"/>
+    <p:sldId id="277" r:id="rId23"/>
+    <p:sldId id="278" r:id="rId24"/>
+    <p:sldId id="279" r:id="rId25"/>
+    <p:sldId id="280" r:id="rId26"/>
   </p:sldIdLst>
   <p:sldSz cx="18288000" cy="10287000"/>
   <p:notesSz cx="18288000" cy="10287000"/>
@@ -128,6 +128,22 @@
       </a:defRPr>
     </a:lvl9pPr>
   </p:defaultTextStyle>
+  <p:extLst>
+    <p:ext uri="{EFAFB233-063F-42B5-8137-9DF3F51BA10A}">
+      <p15:sldGuideLst xmlns:p15="http://schemas.microsoft.com/office/powerpoint/2012/main">
+        <p15:guide id="1" orient="horz" pos="2880">
+          <p15:clr>
+            <a:srgbClr val="A4A3A4"/>
+          </p15:clr>
+        </p15:guide>
+        <p15:guide id="2" pos="2160">
+          <p15:clr>
+            <a:srgbClr val="A4A3A4"/>
+          </p15:clr>
+        </p15:guide>
+      </p15:sldGuideLst>
+    </p:ext>
+  </p:extLst>
 </p:presentation>
 </file>
 
@@ -213,6 +229,7 @@
           <a:p>
             <a:fld id="{3EFD42F7-718C-4B98-AAEC-167E6DDD60A7}" type="datetimeFigureOut">
               <a:rPr lang="en-US" smtClean="0"/>
+              <a:t>5/5/2023</a:t>
             </a:fld>
             <a:endParaRPr lang="en-US"/>
           </a:p>
@@ -276,42 +293,37 @@
           <a:p>
             <a:pPr lvl="0"/>
             <a:r>
-              <a:rPr lang="en-US" smtClean="0"/>
+              <a:rPr lang="en-US"/>
               <a:t>Click to edit Master text styles</a:t>
             </a:r>
-            <a:endParaRPr lang="en-US" smtClean="0"/>
           </a:p>
           <a:p>
             <a:pPr lvl="1"/>
             <a:r>
-              <a:rPr lang="en-US" smtClean="0"/>
+              <a:rPr lang="en-US"/>
               <a:t>Second level</a:t>
             </a:r>
-            <a:endParaRPr lang="en-US" smtClean="0"/>
           </a:p>
           <a:p>
             <a:pPr lvl="2"/>
             <a:r>
-              <a:rPr lang="en-US" smtClean="0"/>
+              <a:rPr lang="en-US"/>
               <a:t>Third level</a:t>
             </a:r>
-            <a:endParaRPr lang="en-US" smtClean="0"/>
           </a:p>
           <a:p>
             <a:pPr lvl="3"/>
             <a:r>
-              <a:rPr lang="en-US" smtClean="0"/>
+              <a:rPr lang="en-US"/>
               <a:t>Fourth level</a:t>
             </a:r>
-            <a:endParaRPr lang="en-US" smtClean="0"/>
           </a:p>
           <a:p>
             <a:pPr lvl="4"/>
             <a:r>
-              <a:rPr lang="en-US" smtClean="0"/>
+              <a:rPr lang="en-US"/>
               <a:t>Fifth level</a:t>
             </a:r>
-            <a:endParaRPr lang="en-US"/>
           </a:p>
         </p:txBody>
       </p:sp>
@@ -375,6 +387,7 @@
           <a:p>
             <a:fld id="{21B2AA4F-B828-4D7C-AFD3-893933DAFCB4}" type="slidenum">
               <a:rPr lang="en-US" smtClean="0"/>
+              <a:t>‹#›</a:t>
             </a:fld>
             <a:endParaRPr lang="en-US"/>
           </a:p>
@@ -527,7 +540,9 @@
               </a:defRPr>
             </a:lvl1pPr>
           </a:lstStyle>
-          <a:p/>
+          <a:p>
+            <a:endParaRPr/>
+          </a:p>
         </p:txBody>
       </p:sp>
       <p:sp>
@@ -558,7 +573,9 @@
               <a:defRPr/>
             </a:lvl1pPr>
           </a:lstStyle>
-          <a:p/>
+          <a:p>
+            <a:endParaRPr/>
+          </a:p>
         </p:txBody>
       </p:sp>
       <p:sp>
@@ -585,7 +602,9 @@
               </a:defRPr>
             </a:lvl1pPr>
           </a:lstStyle>
-          <a:p/>
+          <a:p>
+            <a:endParaRPr/>
+          </a:p>
         </p:txBody>
       </p:sp>
       <p:sp>
@@ -615,6 +634,7 @@
           <a:p>
             <a:fld id="{1D8BD707-D9CF-40AE-B4C6-C98DA3205C09}" type="datetimeFigureOut">
               <a:rPr lang="en-US"/>
+              <a:t>5/5/2023</a:t>
             </a:fld>
             <a:endParaRPr lang="en-US"/>
           </a:p>
@@ -647,6 +667,7 @@
           <a:p>
             <a:fld id="{B6F15528-21DE-4FAA-801E-634DDDAF4B2B}" type="slidenum">
               <a:rPr/>
+              <a:t>‹#›</a:t>
             </a:fld>
             <a:endParaRPr/>
           </a:p>
@@ -702,7 +723,9 @@
               </a:defRPr>
             </a:lvl1pPr>
           </a:lstStyle>
-          <a:p/>
+          <a:p>
+            <a:endParaRPr/>
+          </a:p>
         </p:txBody>
       </p:sp>
       <p:sp>
@@ -729,7 +752,9 @@
               </a:defRPr>
             </a:lvl1pPr>
           </a:lstStyle>
-          <a:p/>
+          <a:p>
+            <a:endParaRPr/>
+          </a:p>
         </p:txBody>
       </p:sp>
       <p:sp>
@@ -756,7 +781,9 @@
               </a:defRPr>
             </a:lvl1pPr>
           </a:lstStyle>
-          <a:p/>
+          <a:p>
+            <a:endParaRPr/>
+          </a:p>
         </p:txBody>
       </p:sp>
       <p:sp>
@@ -786,6 +813,7 @@
           <a:p>
             <a:fld id="{1D8BD707-D9CF-40AE-B4C6-C98DA3205C09}" type="datetimeFigureOut">
               <a:rPr lang="en-US"/>
+              <a:t>5/5/2023</a:t>
             </a:fld>
             <a:endParaRPr lang="en-US"/>
           </a:p>
@@ -818,6 +846,7 @@
           <a:p>
             <a:fld id="{B6F15528-21DE-4FAA-801E-634DDDAF4B2B}" type="slidenum">
               <a:rPr/>
+              <a:t>‹#›</a:t>
             </a:fld>
             <a:endParaRPr/>
           </a:p>
@@ -833,7 +862,7 @@
 </file>
 
 <file path=ppt/slideLayouts/slideLayout3.xml><?xml version="1.0" encoding="utf-8"?>
-<p:sldLayout xmlns:a="http://schemas.openxmlformats.org/drawingml/2006/main" xmlns:r="http://schemas.openxmlformats.org/officeDocument/2006/relationships" xmlns:p="http://schemas.openxmlformats.org/presentationml/2006/main" type="obj" preserve="1" showMasterSp="0">
+<p:sldLayout xmlns:a="http://schemas.openxmlformats.org/drawingml/2006/main" xmlns:r="http://schemas.openxmlformats.org/officeDocument/2006/relationships" xmlns:p="http://schemas.openxmlformats.org/presentationml/2006/main" showMasterSp="0" type="obj" preserve="1">
   <p:cSld name="Two Content">
     <p:bg>
       <p:bgPr>
@@ -894,7 +923,9 @@
         <p:txBody>
           <a:bodyPr wrap="square" lIns="0" tIns="0" rIns="0" bIns="0" rtlCol="0"/>
           <a:lstStyle/>
-          <a:p/>
+          <a:p>
+            <a:endParaRPr/>
+          </a:p>
         </p:txBody>
       </p:sp>
       <p:sp>
@@ -921,7 +952,9 @@
               </a:defRPr>
             </a:lvl1pPr>
           </a:lstStyle>
-          <a:p/>
+          <a:p>
+            <a:endParaRPr/>
+          </a:p>
         </p:txBody>
       </p:sp>
       <p:sp>
@@ -952,7 +985,9 @@
               <a:defRPr/>
             </a:lvl1pPr>
           </a:lstStyle>
-          <a:p/>
+          <a:p>
+            <a:endParaRPr/>
+          </a:p>
         </p:txBody>
       </p:sp>
       <p:sp>
@@ -983,7 +1018,9 @@
               <a:defRPr/>
             </a:lvl1pPr>
           </a:lstStyle>
-          <a:p/>
+          <a:p>
+            <a:endParaRPr/>
+          </a:p>
         </p:txBody>
       </p:sp>
       <p:sp>
@@ -1010,7 +1047,9 @@
               </a:defRPr>
             </a:lvl1pPr>
           </a:lstStyle>
-          <a:p/>
+          <a:p>
+            <a:endParaRPr/>
+          </a:p>
         </p:txBody>
       </p:sp>
       <p:sp>
@@ -1040,6 +1079,7 @@
           <a:p>
             <a:fld id="{1D8BD707-D9CF-40AE-B4C6-C98DA3205C09}" type="datetimeFigureOut">
               <a:rPr lang="en-US"/>
+              <a:t>5/5/2023</a:t>
             </a:fld>
             <a:endParaRPr lang="en-US"/>
           </a:p>
@@ -1072,6 +1112,7 @@
           <a:p>
             <a:fld id="{B6F15528-21DE-4FAA-801E-634DDDAF4B2B}" type="slidenum">
               <a:rPr/>
+              <a:t>‹#›</a:t>
             </a:fld>
             <a:endParaRPr/>
           </a:p>
@@ -1127,7 +1168,9 @@
               </a:defRPr>
             </a:lvl1pPr>
           </a:lstStyle>
-          <a:p/>
+          <a:p>
+            <a:endParaRPr/>
+          </a:p>
         </p:txBody>
       </p:sp>
       <p:sp>
@@ -1154,7 +1197,9 @@
               </a:defRPr>
             </a:lvl1pPr>
           </a:lstStyle>
-          <a:p/>
+          <a:p>
+            <a:endParaRPr/>
+          </a:p>
         </p:txBody>
       </p:sp>
       <p:sp>
@@ -1184,6 +1229,7 @@
           <a:p>
             <a:fld id="{1D8BD707-D9CF-40AE-B4C6-C98DA3205C09}" type="datetimeFigureOut">
               <a:rPr lang="en-US"/>
+              <a:t>5/5/2023</a:t>
             </a:fld>
             <a:endParaRPr lang="en-US"/>
           </a:p>
@@ -1216,6 +1262,7 @@
           <a:p>
             <a:fld id="{B6F15528-21DE-4FAA-801E-634DDDAF4B2B}" type="slidenum">
               <a:rPr/>
+              <a:t>‹#›</a:t>
             </a:fld>
             <a:endParaRPr/>
           </a:p>
@@ -1231,7 +1278,7 @@
 </file>
 
 <file path=ppt/slideLayouts/slideLayout5.xml><?xml version="1.0" encoding="utf-8"?>
-<p:sldLayout xmlns:a="http://schemas.openxmlformats.org/drawingml/2006/main" xmlns:r="http://schemas.openxmlformats.org/officeDocument/2006/relationships" xmlns:p="http://schemas.openxmlformats.org/presentationml/2006/main" type="obj" preserve="1" showMasterSp="0">
+<p:sldLayout xmlns:a="http://schemas.openxmlformats.org/drawingml/2006/main" xmlns:r="http://schemas.openxmlformats.org/officeDocument/2006/relationships" xmlns:p="http://schemas.openxmlformats.org/presentationml/2006/main" showMasterSp="0" type="obj" preserve="1">
   <p:cSld name="Blank">
     <p:bg>
       <p:bgPr>
@@ -1300,7 +1347,9 @@
         <p:txBody>
           <a:bodyPr wrap="square" lIns="0" tIns="0" rIns="0" bIns="0" rtlCol="0"/>
           <a:lstStyle/>
-          <a:p/>
+          <a:p>
+            <a:endParaRPr/>
+          </a:p>
         </p:txBody>
       </p:sp>
       <p:pic>
@@ -1349,7 +1398,9 @@
               </a:defRPr>
             </a:lvl1pPr>
           </a:lstStyle>
-          <a:p/>
+          <a:p>
+            <a:endParaRPr/>
+          </a:p>
         </p:txBody>
       </p:sp>
       <p:sp>
@@ -1379,6 +1430,7 @@
           <a:p>
             <a:fld id="{1D8BD707-D9CF-40AE-B4C6-C98DA3205C09}" type="datetimeFigureOut">
               <a:rPr lang="en-US"/>
+              <a:t>5/5/2023</a:t>
             </a:fld>
             <a:endParaRPr lang="en-US"/>
           </a:p>
@@ -1411,6 +1463,7 @@
           <a:p>
             <a:fld id="{B6F15528-21DE-4FAA-801E-634DDDAF4B2B}" type="slidenum">
               <a:rPr/>
+              <a:t>‹#›</a:t>
             </a:fld>
             <a:endParaRPr/>
           </a:p>
@@ -1484,7 +1537,9 @@
               </a:defRPr>
             </a:lvl1pPr>
           </a:lstStyle>
-          <a:p/>
+          <a:p>
+            <a:endParaRPr/>
+          </a:p>
         </p:txBody>
       </p:sp>
       <p:sp>
@@ -1521,7 +1576,9 @@
               </a:defRPr>
             </a:lvl1pPr>
           </a:lstStyle>
-          <a:p/>
+          <a:p>
+            <a:endParaRPr/>
+          </a:p>
         </p:txBody>
       </p:sp>
       <p:sp>
@@ -1558,7 +1615,9 @@
               </a:defRPr>
             </a:lvl1pPr>
           </a:lstStyle>
-          <a:p/>
+          <a:p>
+            <a:endParaRPr/>
+          </a:p>
         </p:txBody>
       </p:sp>
       <p:sp>
@@ -1598,6 +1657,7 @@
           <a:p>
             <a:fld id="{1D8BD707-D9CF-40AE-B4C6-C98DA3205C09}" type="datetimeFigureOut">
               <a:rPr lang="en-US"/>
+              <a:t>5/5/2023</a:t>
             </a:fld>
             <a:endParaRPr lang="en-US"/>
           </a:p>
@@ -1640,6 +1700,7 @@
           <a:p>
             <a:fld id="{B6F15528-21DE-4FAA-801E-634DDDAF4B2B}" type="slidenum">
               <a:rPr/>
+              <a:t>‹#›</a:t>
             </a:fld>
             <a:endParaRPr/>
           </a:p>
@@ -1824,7 +1885,7 @@
           <p:nvPr/>
         </p:nvPicPr>
         <p:blipFill>
-          <a:blip r:embed="rId1" cstate="print"/>
+          <a:blip r:embed="rId2" cstate="print"/>
           <a:stretch>
             <a:fillRect/>
           </a:stretch>
@@ -2046,9 +2107,11 @@
         <p:spPr/>
         <p:txBody>
           <a:bodyPr/>
+          <a:lstStyle/>
           <a:p>
             <a:fld id="{B6F15528-21DE-4FAA-801E-634DDDAF4B2B}" type="slidenum">
               <a:rPr/>
+              <a:t>1</a:t>
             </a:fld>
             <a:endParaRPr/>
           </a:p>
@@ -2132,7 +2195,6 @@
               <a:rPr spc="-45" dirty="0"/>
               <a:t>Service</a:t>
             </a:r>
-            <a:endParaRPr spc="-45" dirty="0"/>
           </a:p>
         </p:txBody>
       </p:sp>
@@ -2195,7 +2257,9 @@
           <p:txBody>
             <a:bodyPr wrap="square" lIns="0" tIns="0" rIns="0" bIns="0" rtlCol="0"/>
             <a:lstStyle/>
-            <a:p/>
+            <a:p>
+              <a:endParaRPr/>
+            </a:p>
           </p:txBody>
         </p:sp>
         <p:sp>
@@ -2245,7 +2309,9 @@
           <p:txBody>
             <a:bodyPr wrap="square" lIns="0" tIns="0" rIns="0" bIns="0" rtlCol="0"/>
             <a:lstStyle/>
-            <a:p/>
+            <a:p>
+              <a:endParaRPr/>
+            </a:p>
           </p:txBody>
         </p:sp>
         <p:sp>
@@ -2295,7 +2361,9 @@
           <p:txBody>
             <a:bodyPr wrap="square" lIns="0" tIns="0" rIns="0" bIns="0" rtlCol="0"/>
             <a:lstStyle/>
-            <a:p/>
+            <a:p>
+              <a:endParaRPr/>
+            </a:p>
           </p:txBody>
         </p:sp>
       </p:grpSp>
@@ -2675,9 +2743,11 @@
         <p:spPr/>
         <p:txBody>
           <a:bodyPr/>
+          <a:lstStyle/>
           <a:p>
             <a:fld id="{B6F15528-21DE-4FAA-801E-634DDDAF4B2B}" type="slidenum">
               <a:rPr/>
+              <a:t>10</a:t>
             </a:fld>
             <a:endParaRPr/>
           </a:p>
@@ -2761,7 +2831,6 @@
               <a:rPr spc="-45" dirty="0"/>
               <a:t>Service</a:t>
             </a:r>
-            <a:endParaRPr spc="-45" dirty="0"/>
           </a:p>
         </p:txBody>
       </p:sp>
@@ -3080,7 +3149,9 @@
           <p:txBody>
             <a:bodyPr wrap="square" lIns="0" tIns="0" rIns="0" bIns="0" rtlCol="0"/>
             <a:lstStyle/>
-            <a:p/>
+            <a:p>
+              <a:endParaRPr/>
+            </a:p>
           </p:txBody>
         </p:sp>
         <p:sp>
@@ -3130,7 +3201,9 @@
           <p:txBody>
             <a:bodyPr wrap="square" lIns="0" tIns="0" rIns="0" bIns="0" rtlCol="0"/>
             <a:lstStyle/>
-            <a:p/>
+            <a:p>
+              <a:endParaRPr/>
+            </a:p>
           </p:txBody>
         </p:sp>
         <p:sp>
@@ -3586,7 +3659,9 @@
           <p:txBody>
             <a:bodyPr wrap="square" lIns="0" tIns="0" rIns="0" bIns="0" rtlCol="0"/>
             <a:lstStyle/>
-            <a:p/>
+            <a:p>
+              <a:endParaRPr/>
+            </a:p>
           </p:txBody>
         </p:sp>
         <p:sp>
@@ -4044,7 +4119,9 @@
           <p:txBody>
             <a:bodyPr wrap="square" lIns="0" tIns="0" rIns="0" bIns="0" rtlCol="0"/>
             <a:lstStyle/>
-            <a:p/>
+            <a:p>
+              <a:endParaRPr/>
+            </a:p>
           </p:txBody>
         </p:sp>
         <p:sp>
@@ -4500,7 +4577,9 @@
           <p:txBody>
             <a:bodyPr wrap="square" lIns="0" tIns="0" rIns="0" bIns="0" rtlCol="0"/>
             <a:lstStyle/>
-            <a:p/>
+            <a:p>
+              <a:endParaRPr/>
+            </a:p>
           </p:txBody>
         </p:sp>
         <p:sp>
@@ -4958,7 +5037,9 @@
           <p:txBody>
             <a:bodyPr wrap="square" lIns="0" tIns="0" rIns="0" bIns="0" rtlCol="0"/>
             <a:lstStyle/>
-            <a:p/>
+            <a:p>
+              <a:endParaRPr/>
+            </a:p>
           </p:txBody>
         </p:sp>
       </p:grpSp>
@@ -5012,17 +5093,7 @@
                 <a:latin typeface="Arial" panose="020B0604020202020204"/>
                 <a:cs typeface="Arial" panose="020B0604020202020204"/>
               </a:rPr>
-              <a:t>g</a:t>
-            </a:r>
-            <a:r>
-              <a:rPr sz="4200" b="1" dirty="0">
-                <a:solidFill>
-                  <a:srgbClr val="FFFFFF"/>
-                </a:solidFill>
-                <a:latin typeface="Arial" panose="020B0604020202020204"/>
-                <a:cs typeface="Arial" panose="020B0604020202020204"/>
-              </a:rPr>
-              <a:t>	</a:t>
+              <a:t>g	</a:t>
             </a:r>
             <a:r>
               <a:rPr sz="4200" b="1" spc="-180" dirty="0">
@@ -5644,7 +5715,9 @@
           <p:txBody>
             <a:bodyPr wrap="square" lIns="0" tIns="0" rIns="0" bIns="0" rtlCol="0"/>
             <a:lstStyle/>
-            <a:p/>
+            <a:p>
+              <a:endParaRPr/>
+            </a:p>
           </p:txBody>
         </p:sp>
         <p:sp>
@@ -6102,7 +6175,9 @@
           <p:txBody>
             <a:bodyPr wrap="square" lIns="0" tIns="0" rIns="0" bIns="0" rtlCol="0"/>
             <a:lstStyle/>
-            <a:p/>
+            <a:p>
+              <a:endParaRPr/>
+            </a:p>
           </p:txBody>
         </p:sp>
       </p:grpSp>
@@ -6195,9 +6270,11 @@
         <p:spPr/>
         <p:txBody>
           <a:bodyPr/>
+          <a:lstStyle/>
           <a:p>
             <a:fld id="{B6F15528-21DE-4FAA-801E-634DDDAF4B2B}" type="slidenum">
               <a:rPr/>
+              <a:t>11</a:t>
             </a:fld>
             <a:endParaRPr/>
           </a:p>
@@ -6273,7 +6350,6 @@
               <a:rPr spc="45" dirty="0"/>
               <a:t>Injectors</a:t>
             </a:r>
-            <a:endParaRPr spc="45" dirty="0"/>
           </a:p>
         </p:txBody>
       </p:sp>
@@ -6287,7 +6363,7 @@
         </p:nvGraphicFramePr>
         <p:xfrm>
           <a:off x="3243783" y="3700368"/>
-          <a:ext cx="3144520" cy="4541520"/>
+          <a:ext cx="3125470" cy="4528631"/>
         </p:xfrm>
         <a:graphic>
           <a:graphicData uri="http://schemas.openxmlformats.org/drawingml/2006/table">
@@ -6296,8 +6372,20 @@
                 <a:tableStyleId>{2D5ABB26-0587-4C30-8999-92F81FD0307C}</a:tableStyleId>
               </a:tblPr>
               <a:tblGrid>
-                <a:gridCol w="1562735"/>
-                <a:gridCol w="1562735"/>
+                <a:gridCol w="1562735">
+                  <a:extLst>
+                    <a:ext uri="{9D8B030D-6E8A-4147-A177-3AD203B41FA5}">
+                      <a16:colId xmlns:a16="http://schemas.microsoft.com/office/drawing/2014/main" val="20000"/>
+                    </a:ext>
+                  </a:extLst>
+                </a:gridCol>
+                <a:gridCol w="1562735">
+                  <a:extLst>
+                    <a:ext uri="{9D8B030D-6E8A-4147-A177-3AD203B41FA5}">
+                      <a16:colId xmlns:a16="http://schemas.microsoft.com/office/drawing/2014/main" val="20001"/>
+                    </a:ext>
+                  </a:extLst>
+                </a:gridCol>
               </a:tblGrid>
               <a:tr h="877824">
                 <a:tc gridSpan="2">
@@ -6360,8 +6448,20 @@
                   </a:tcPr>
                 </a:tc>
                 <a:tc hMerge="1">
+                  <a:txBody>
+                    <a:bodyPr/>
+                    <a:lstStyle/>
+                    <a:p>
+                      <a:endParaRPr lang="en-US"/>
+                    </a:p>
+                  </a:txBody>
                   <a:tcPr marL="0" marR="0" marT="0" marB="0"/>
                 </a:tc>
+                <a:extLst>
+                  <a:ext uri="{0D108BD9-81ED-4DB2-BD59-A6C34878D82A}">
+                    <a16:rowId xmlns:a16="http://schemas.microsoft.com/office/drawing/2014/main" val="10000"/>
+                  </a:ext>
+                </a:extLst>
               </a:tr>
               <a:tr h="337698">
                 <a:tc>
@@ -6438,6 +6538,11 @@
                     </a:lnB>
                   </a:tcPr>
                 </a:tc>
+                <a:extLst>
+                  <a:ext uri="{0D108BD9-81ED-4DB2-BD59-A6C34878D82A}">
+                    <a16:rowId xmlns:a16="http://schemas.microsoft.com/office/drawing/2014/main" val="10001"/>
+                  </a:ext>
+                </a:extLst>
               </a:tr>
               <a:tr h="877824">
                 <a:tc gridSpan="2">
@@ -6521,17 +6626,7 @@
                           <a:latin typeface="Arial" panose="020B0604020202020204"/>
                           <a:cs typeface="Arial" panose="020B0604020202020204"/>
                         </a:rPr>
-                        <a:t>o</a:t>
-                      </a:r>
-                      <a:r>
-                        <a:rPr sz="2400" b="1" spc="-10" dirty="0">
-                          <a:solidFill>
-                            <a:srgbClr val="FFFFFF"/>
-                          </a:solidFill>
-                          <a:latin typeface="Arial" panose="020B0604020202020204"/>
-                          <a:cs typeface="Arial" panose="020B0604020202020204"/>
-                        </a:rPr>
-                        <a:t>n</a:t>
+                        <a:t>on</a:t>
                       </a:r>
                       <a:r>
                         <a:rPr sz="2400" b="1" spc="-5" dirty="0">
@@ -6600,8 +6695,20 @@
                   </a:tcPr>
                 </a:tc>
                 <a:tc hMerge="1">
+                  <a:txBody>
+                    <a:bodyPr/>
+                    <a:lstStyle/>
+                    <a:p>
+                      <a:endParaRPr lang="en-US"/>
+                    </a:p>
+                  </a:txBody>
                   <a:tcPr marL="0" marR="0" marT="0" marB="0"/>
                 </a:tc>
+                <a:extLst>
+                  <a:ext uri="{0D108BD9-81ED-4DB2-BD59-A6C34878D82A}">
+                    <a16:rowId xmlns:a16="http://schemas.microsoft.com/office/drawing/2014/main" val="10002"/>
+                  </a:ext>
+                </a:extLst>
               </a:tr>
               <a:tr h="337700">
                 <a:tc>
@@ -6678,6 +6785,11 @@
                     </a:lnB>
                   </a:tcPr>
                 </a:tc>
+                <a:extLst>
+                  <a:ext uri="{0D108BD9-81ED-4DB2-BD59-A6C34878D82A}">
+                    <a16:rowId xmlns:a16="http://schemas.microsoft.com/office/drawing/2014/main" val="10003"/>
+                  </a:ext>
+                </a:extLst>
               </a:tr>
               <a:tr h="877824">
                 <a:tc gridSpan="2">
@@ -6761,17 +6873,7 @@
                           <a:latin typeface="Arial" panose="020B0604020202020204"/>
                           <a:cs typeface="Arial" panose="020B0604020202020204"/>
                         </a:rPr>
-                        <a:t>o</a:t>
-                      </a:r>
-                      <a:r>
-                        <a:rPr sz="2400" b="1" spc="-10" dirty="0">
-                          <a:solidFill>
-                            <a:srgbClr val="FFFFFF"/>
-                          </a:solidFill>
-                          <a:latin typeface="Arial" panose="020B0604020202020204"/>
-                          <a:cs typeface="Arial" panose="020B0604020202020204"/>
-                        </a:rPr>
-                        <a:t>n</a:t>
+                        <a:t>on</a:t>
                       </a:r>
                       <a:r>
                         <a:rPr sz="2400" b="1" spc="-5" dirty="0">
@@ -6840,8 +6942,20 @@
                   </a:tcPr>
                 </a:tc>
                 <a:tc hMerge="1">
+                  <a:txBody>
+                    <a:bodyPr/>
+                    <a:lstStyle/>
+                    <a:p>
+                      <a:endParaRPr lang="en-US"/>
+                    </a:p>
+                  </a:txBody>
                   <a:tcPr marL="0" marR="0" marT="0" marB="0"/>
                 </a:tc>
+                <a:extLst>
+                  <a:ext uri="{0D108BD9-81ED-4DB2-BD59-A6C34878D82A}">
+                    <a16:rowId xmlns:a16="http://schemas.microsoft.com/office/drawing/2014/main" val="10004"/>
+                  </a:ext>
+                </a:extLst>
               </a:tr>
               <a:tr h="341937">
                 <a:tc>
@@ -6918,6 +7032,11 @@
                     </a:lnB>
                   </a:tcPr>
                 </a:tc>
+                <a:extLst>
+                  <a:ext uri="{0D108BD9-81ED-4DB2-BD59-A6C34878D82A}">
+                    <a16:rowId xmlns:a16="http://schemas.microsoft.com/office/drawing/2014/main" val="10005"/>
+                  </a:ext>
+                </a:extLst>
               </a:tr>
               <a:tr h="877824">
                 <a:tc gridSpan="2">
@@ -6980,8 +7099,20 @@
                   </a:tcPr>
                 </a:tc>
                 <a:tc hMerge="1">
+                  <a:txBody>
+                    <a:bodyPr/>
+                    <a:lstStyle/>
+                    <a:p>
+                      <a:endParaRPr lang="en-US"/>
+                    </a:p>
+                  </a:txBody>
                   <a:tcPr marL="0" marR="0" marT="0" marB="0"/>
                 </a:tc>
+                <a:extLst>
+                  <a:ext uri="{0D108BD9-81ED-4DB2-BD59-A6C34878D82A}">
+                    <a16:rowId xmlns:a16="http://schemas.microsoft.com/office/drawing/2014/main" val="10006"/>
+                  </a:ext>
+                </a:extLst>
               </a:tr>
             </a:tbl>
           </a:graphicData>
@@ -7521,7 +7652,9 @@
         <p:txBody>
           <a:bodyPr wrap="square" lIns="0" tIns="0" rIns="0" bIns="0" rtlCol="0"/>
           <a:lstStyle/>
-          <a:p/>
+          <a:p>
+            <a:endParaRPr/>
+          </a:p>
         </p:txBody>
       </p:sp>
       <p:sp>
@@ -8106,7 +8239,9 @@
         <p:txBody>
           <a:bodyPr wrap="square" lIns="0" tIns="0" rIns="0" bIns="0" rtlCol="0"/>
           <a:lstStyle/>
-          <a:p/>
+          <a:p>
+            <a:endParaRPr/>
+          </a:p>
         </p:txBody>
       </p:sp>
       <p:sp>
@@ -8456,17 +8591,7 @@
                 <a:latin typeface="Arial" panose="020B0604020202020204"/>
                 <a:cs typeface="Arial" panose="020B0604020202020204"/>
               </a:rPr>
-              <a:t>e</a:t>
-            </a:r>
-            <a:r>
-              <a:rPr sz="2400" b="1" spc="25" dirty="0">
-                <a:solidFill>
-                  <a:srgbClr val="FFFFFF"/>
-                </a:solidFill>
-                <a:latin typeface="Arial" panose="020B0604020202020204"/>
-                <a:cs typeface="Arial" panose="020B0604020202020204"/>
-              </a:rPr>
-              <a:t>n</a:t>
+              <a:t>en</a:t>
             </a:r>
             <a:r>
               <a:rPr sz="2400" b="1" spc="135" dirty="0">
@@ -8629,7 +8754,9 @@
         <p:txBody>
           <a:bodyPr wrap="square" lIns="0" tIns="0" rIns="0" bIns="0" rtlCol="0"/>
           <a:lstStyle/>
-          <a:p/>
+          <a:p>
+            <a:endParaRPr/>
+          </a:p>
         </p:txBody>
       </p:sp>
       <p:sp>
@@ -8757,17 +8884,7 @@
                 <a:latin typeface="Arial" panose="020B0604020202020204"/>
                 <a:cs typeface="Arial" panose="020B0604020202020204"/>
               </a:rPr>
-              <a:t>e</a:t>
-            </a:r>
-            <a:r>
-              <a:rPr sz="2400" b="1" spc="25" dirty="0">
-                <a:solidFill>
-                  <a:srgbClr val="FFFFFF"/>
-                </a:solidFill>
-                <a:latin typeface="Arial" panose="020B0604020202020204"/>
-                <a:cs typeface="Arial" panose="020B0604020202020204"/>
-              </a:rPr>
-              <a:t>n</a:t>
+              <a:t>en</a:t>
             </a:r>
             <a:r>
               <a:rPr sz="2400" b="1" spc="135" dirty="0">
@@ -8836,7 +8953,9 @@
         <p:txBody>
           <a:bodyPr wrap="square" lIns="0" tIns="0" rIns="0" bIns="0" rtlCol="0"/>
           <a:lstStyle/>
-          <a:p/>
+          <a:p>
+            <a:endParaRPr/>
+          </a:p>
         </p:txBody>
       </p:sp>
       <p:sp>
@@ -8876,7 +8995,9 @@
         <p:txBody>
           <a:bodyPr wrap="square" lIns="0" tIns="0" rIns="0" bIns="0" rtlCol="0"/>
           <a:lstStyle/>
-          <a:p/>
+          <a:p>
+            <a:endParaRPr/>
+          </a:p>
         </p:txBody>
       </p:sp>
       <p:sp>
@@ -8916,7 +9037,9 @@
         <p:txBody>
           <a:bodyPr wrap="square" lIns="0" tIns="0" rIns="0" bIns="0" rtlCol="0"/>
           <a:lstStyle/>
-          <a:p/>
+          <a:p>
+            <a:endParaRPr/>
+          </a:p>
         </p:txBody>
       </p:sp>
       <p:sp>
@@ -8932,9 +9055,11 @@
         <p:spPr/>
         <p:txBody>
           <a:bodyPr/>
+          <a:lstStyle/>
           <a:p>
             <a:fld id="{B6F15528-21DE-4FAA-801E-634DDDAF4B2B}" type="slidenum">
               <a:rPr/>
+              <a:t>12</a:t>
             </a:fld>
             <a:endParaRPr/>
           </a:p>
@@ -9018,7 +9143,6 @@
               <a:rPr spc="-45" dirty="0"/>
               <a:t>Service</a:t>
             </a:r>
-            <a:endParaRPr spc="-45" dirty="0"/>
           </a:p>
         </p:txBody>
       </p:sp>
@@ -9838,9 +9962,11 @@
         <p:spPr/>
         <p:txBody>
           <a:bodyPr/>
+          <a:lstStyle/>
           <a:p>
             <a:fld id="{B6F15528-21DE-4FAA-801E-634DDDAF4B2B}" type="slidenum">
               <a:rPr/>
+              <a:t>13</a:t>
             </a:fld>
             <a:endParaRPr/>
           </a:p>
@@ -9948,7 +10074,6 @@
               <a:rPr spc="45" dirty="0"/>
               <a:t>Application</a:t>
             </a:r>
-            <a:endParaRPr spc="45" dirty="0"/>
           </a:p>
         </p:txBody>
       </p:sp>
@@ -10011,7 +10136,9 @@
           <p:txBody>
             <a:bodyPr wrap="square" lIns="0" tIns="0" rIns="0" bIns="0" rtlCol="0"/>
             <a:lstStyle/>
-            <a:p/>
+            <a:p>
+              <a:endParaRPr/>
+            </a:p>
           </p:txBody>
         </p:sp>
         <p:sp>
@@ -10061,7 +10188,9 @@
           <p:txBody>
             <a:bodyPr wrap="square" lIns="0" tIns="0" rIns="0" bIns="0" rtlCol="0"/>
             <a:lstStyle/>
-            <a:p/>
+            <a:p>
+              <a:endParaRPr/>
+            </a:p>
           </p:txBody>
         </p:sp>
         <p:sp>
@@ -10111,7 +10240,9 @@
           <p:txBody>
             <a:bodyPr wrap="square" lIns="0" tIns="0" rIns="0" bIns="0" rtlCol="0"/>
             <a:lstStyle/>
-            <a:p/>
+            <a:p>
+              <a:endParaRPr/>
+            </a:p>
           </p:txBody>
         </p:sp>
       </p:grpSp>
@@ -10545,9 +10676,11 @@
         <p:spPr/>
         <p:txBody>
           <a:bodyPr/>
+          <a:lstStyle/>
           <a:p>
             <a:fld id="{B6F15528-21DE-4FAA-801E-634DDDAF4B2B}" type="slidenum">
               <a:rPr/>
+              <a:t>14</a:t>
             </a:fld>
             <a:endParaRPr/>
           </a:p>
@@ -10625,7 +10758,9 @@
         <p:txBody>
           <a:bodyPr wrap="square" lIns="0" tIns="0" rIns="0" bIns="0" rtlCol="0"/>
           <a:lstStyle/>
-          <a:p/>
+          <a:p>
+            <a:endParaRPr/>
+          </a:p>
         </p:txBody>
       </p:sp>
       <p:sp>
@@ -10639,6 +10774,10 @@
           </p:nvPr>
         </p:nvSpPr>
         <p:spPr>
+          <a:xfrm>
+            <a:off x="2935585" y="88550"/>
+            <a:ext cx="6533512" cy="878839"/>
+          </a:xfrm>
           <a:prstGeom prst="rect">
             <a:avLst/>
           </a:prstGeom>
@@ -10674,24 +10813,6 @@
               <a:latin typeface="Arial" panose="020B0604020202020204"/>
               <a:cs typeface="Arial" panose="020B0604020202020204"/>
             </a:endParaRPr>
-          </a:p>
-        </p:txBody>
-      </p:sp>
-      <p:sp>
-        <p:nvSpPr>
-          <p:cNvPr id="12" name="Content Placeholder 11"/>
-          <p:cNvSpPr>
-            <a:spLocks noGrp="1"/>
-          </p:cNvSpPr>
-          <p:nvPr>
-            <p:ph sz="half" idx="3"/>
-          </p:nvPr>
-        </p:nvSpPr>
-        <p:spPr/>
-        <p:txBody>
-          <a:bodyPr/>
-          <a:p>
-            <a:endParaRPr lang="en-US"/>
           </a:p>
         </p:txBody>
       </p:sp>
@@ -10774,7 +10895,7 @@
               </a:rPr>
               <a:t>'root'</a:t>
             </a:r>
-            <a:endParaRPr sz="2800">
+            <a:endParaRPr sz="2800" dirty="0">
               <a:latin typeface="Courier New" panose="02070309020205020404"/>
               <a:cs typeface="Courier New" panose="02070309020205020404"/>
             </a:endParaRPr>
@@ -10799,7 +10920,7 @@
               </a:rPr>
               <a:t>)</a:t>
             </a:r>
-            <a:endParaRPr sz="2800">
+            <a:endParaRPr sz="2800" dirty="0">
               <a:latin typeface="Courier New" panose="02070309020205020404"/>
               <a:cs typeface="Courier New" panose="02070309020205020404"/>
             </a:endParaRPr>
@@ -10885,10 +11006,6 @@
               </a:rPr>
               <a:t>}</a:t>
             </a:r>
-            <a:endParaRPr sz="2800">
-              <a:latin typeface="Courier New" panose="02070309020205020404"/>
-              <a:cs typeface="Courier New" panose="02070309020205020404"/>
-            </a:endParaRPr>
           </a:p>
         </p:txBody>
       </p:sp>
@@ -11220,7 +11337,9 @@
         <p:txBody>
           <a:bodyPr wrap="square" lIns="0" tIns="0" rIns="0" bIns="0" rtlCol="0"/>
           <a:lstStyle/>
-          <a:p/>
+          <a:p>
+            <a:endParaRPr/>
+          </a:p>
         </p:txBody>
       </p:sp>
       <p:sp>
@@ -11598,9 +11717,11 @@
         <p:spPr/>
         <p:txBody>
           <a:bodyPr/>
+          <a:lstStyle/>
           <a:p>
             <a:fld id="{B6F15528-21DE-4FAA-801E-634DDDAF4B2B}" type="slidenum">
               <a:rPr/>
+              <a:t>15</a:t>
             </a:fld>
             <a:endParaRPr/>
           </a:p>
@@ -11610,14 +11731,14 @@
         <p:nvPicPr>
           <p:cNvPr id="11" name="Content Placeholder 10"/>
           <p:cNvPicPr>
-            <a:picLocks noChangeAspect="1"/>
+            <a:picLocks noGrp="1" noChangeAspect="1"/>
           </p:cNvPicPr>
           <p:nvPr>
             <p:ph sz="half" idx="2"/>
           </p:nvPr>
         </p:nvPicPr>
         <p:blipFill>
-          <a:blip r:embed="rId1"/>
+          <a:blip r:embed="rId2"/>
           <a:stretch>
             <a:fillRect/>
           </a:stretch>
@@ -11706,7 +11827,6 @@
               <a:rPr spc="-45" dirty="0"/>
               <a:t>Service</a:t>
             </a:r>
-            <a:endParaRPr spc="-45" dirty="0"/>
           </a:p>
         </p:txBody>
       </p:sp>
@@ -12107,7 +12227,9 @@
           <p:txBody>
             <a:bodyPr wrap="square" lIns="0" tIns="0" rIns="0" bIns="0" rtlCol="0"/>
             <a:lstStyle/>
-            <a:p/>
+            <a:p>
+              <a:endParaRPr/>
+            </a:p>
           </p:txBody>
         </p:sp>
         <p:sp>
@@ -12157,7 +12279,9 @@
           <p:txBody>
             <a:bodyPr wrap="square" lIns="0" tIns="0" rIns="0" bIns="0" rtlCol="0"/>
             <a:lstStyle/>
-            <a:p/>
+            <a:p>
+              <a:endParaRPr/>
+            </a:p>
           </p:txBody>
         </p:sp>
         <p:sp>
@@ -12613,7 +12737,9 @@
           <p:txBody>
             <a:bodyPr wrap="square" lIns="0" tIns="0" rIns="0" bIns="0" rtlCol="0"/>
             <a:lstStyle/>
-            <a:p/>
+            <a:p>
+              <a:endParaRPr/>
+            </a:p>
           </p:txBody>
         </p:sp>
         <p:sp>
@@ -13071,7 +13197,9 @@
           <p:txBody>
             <a:bodyPr wrap="square" lIns="0" tIns="0" rIns="0" bIns="0" rtlCol="0"/>
             <a:lstStyle/>
-            <a:p/>
+            <a:p>
+              <a:endParaRPr/>
+            </a:p>
           </p:txBody>
         </p:sp>
         <p:sp>
@@ -13527,7 +13655,9 @@
           <p:txBody>
             <a:bodyPr wrap="square" lIns="0" tIns="0" rIns="0" bIns="0" rtlCol="0"/>
             <a:lstStyle/>
-            <a:p/>
+            <a:p>
+              <a:endParaRPr/>
+            </a:p>
           </p:txBody>
         </p:sp>
         <p:sp>
@@ -13985,7 +14115,9 @@
           <p:txBody>
             <a:bodyPr wrap="square" lIns="0" tIns="0" rIns="0" bIns="0" rtlCol="0"/>
             <a:lstStyle/>
-            <a:p/>
+            <a:p>
+              <a:endParaRPr/>
+            </a:p>
           </p:txBody>
         </p:sp>
       </p:grpSp>
@@ -14039,17 +14171,7 @@
                 <a:latin typeface="Arial" panose="020B0604020202020204"/>
                 <a:cs typeface="Arial" panose="020B0604020202020204"/>
               </a:rPr>
-              <a:t>g</a:t>
-            </a:r>
-            <a:r>
-              <a:rPr sz="4200" b="1" dirty="0">
-                <a:solidFill>
-                  <a:srgbClr val="FFFFFF"/>
-                </a:solidFill>
-                <a:latin typeface="Arial" panose="020B0604020202020204"/>
-                <a:cs typeface="Arial" panose="020B0604020202020204"/>
-              </a:rPr>
-              <a:t>	</a:t>
+              <a:t>g	</a:t>
             </a:r>
             <a:r>
               <a:rPr sz="4200" b="1" spc="-180" dirty="0">
@@ -14671,7 +14793,9 @@
           <p:txBody>
             <a:bodyPr wrap="square" lIns="0" tIns="0" rIns="0" bIns="0" rtlCol="0"/>
             <a:lstStyle/>
-            <a:p/>
+            <a:p>
+              <a:endParaRPr/>
+            </a:p>
           </p:txBody>
         </p:sp>
         <p:sp>
@@ -15129,7 +15253,9 @@
           <p:txBody>
             <a:bodyPr wrap="square" lIns="0" tIns="0" rIns="0" bIns="0" rtlCol="0"/>
             <a:lstStyle/>
-            <a:p/>
+            <a:p>
+              <a:endParaRPr/>
+            </a:p>
           </p:txBody>
         </p:sp>
       </p:grpSp>
@@ -15222,9 +15348,11 @@
         <p:spPr/>
         <p:txBody>
           <a:bodyPr/>
+          <a:lstStyle/>
           <a:p>
             <a:fld id="{B6F15528-21DE-4FAA-801E-634DDDAF4B2B}" type="slidenum">
               <a:rPr/>
+              <a:t>16</a:t>
             </a:fld>
             <a:endParaRPr/>
           </a:p>
@@ -15304,7 +15432,6 @@
               <a:rPr spc="-45" dirty="0"/>
               <a:t>Service</a:t>
             </a:r>
-            <a:endParaRPr spc="-45" dirty="0"/>
           </a:p>
         </p:txBody>
       </p:sp>
@@ -15708,9 +15835,11 @@
         <p:spPr/>
         <p:txBody>
           <a:bodyPr/>
+          <a:lstStyle/>
           <a:p>
             <a:fld id="{B6F15528-21DE-4FAA-801E-634DDDAF4B2B}" type="slidenum">
               <a:rPr/>
+              <a:t>17</a:t>
             </a:fld>
             <a:endParaRPr/>
           </a:p>
@@ -15790,7 +15919,6 @@
               <a:rPr spc="-45" dirty="0"/>
               <a:t>Service</a:t>
             </a:r>
-            <a:endParaRPr spc="-45" dirty="0"/>
           </a:p>
         </p:txBody>
       </p:sp>
@@ -15841,7 +15969,9 @@
         <p:txBody>
           <a:bodyPr wrap="square" lIns="0" tIns="0" rIns="0" bIns="0" rtlCol="0"/>
           <a:lstStyle/>
-          <a:p/>
+          <a:p>
+            <a:endParaRPr/>
+          </a:p>
         </p:txBody>
       </p:sp>
       <p:sp>
@@ -16371,9 +16501,11 @@
         <p:spPr/>
         <p:txBody>
           <a:bodyPr/>
+          <a:lstStyle/>
           <a:p>
             <a:fld id="{B6F15528-21DE-4FAA-801E-634DDDAF4B2B}" type="slidenum">
               <a:rPr/>
+              <a:t>18</a:t>
             </a:fld>
             <a:endParaRPr/>
           </a:p>
@@ -16453,7 +16585,6 @@
               <a:rPr spc="-45" dirty="0"/>
               <a:t>Service</a:t>
             </a:r>
-            <a:endParaRPr spc="-45" dirty="0"/>
           </a:p>
         </p:txBody>
       </p:sp>
@@ -16504,7 +16635,9 @@
         <p:txBody>
           <a:bodyPr wrap="square" lIns="0" tIns="0" rIns="0" bIns="0" rtlCol="0"/>
           <a:lstStyle/>
-          <a:p/>
+          <a:p>
+            <a:endParaRPr/>
+          </a:p>
         </p:txBody>
       </p:sp>
       <p:sp>
@@ -17038,9 +17171,11 @@
         <p:spPr/>
         <p:txBody>
           <a:bodyPr/>
+          <a:lstStyle/>
           <a:p>
             <a:fld id="{B6F15528-21DE-4FAA-801E-634DDDAF4B2B}" type="slidenum">
               <a:rPr/>
+              <a:t>19</a:t>
             </a:fld>
             <a:endParaRPr/>
           </a:p>
@@ -17220,9 +17355,11 @@
         <p:spPr/>
         <p:txBody>
           <a:bodyPr/>
+          <a:lstStyle/>
           <a:p>
             <a:fld id="{B6F15528-21DE-4FAA-801E-634DDDAF4B2B}" type="slidenum">
               <a:rPr/>
+              <a:t>2</a:t>
             </a:fld>
             <a:endParaRPr/>
           </a:p>
@@ -17312,7 +17449,9 @@
           <p:txBody>
             <a:bodyPr wrap="square" lIns="0" tIns="0" rIns="0" bIns="0" rtlCol="0"/>
             <a:lstStyle/>
-            <a:p/>
+            <a:p>
+              <a:endParaRPr/>
+            </a:p>
           </p:txBody>
         </p:sp>
         <p:sp>
@@ -17360,7 +17499,9 @@
           <p:txBody>
             <a:bodyPr wrap="square" lIns="0" tIns="0" rIns="0" bIns="0" rtlCol="0"/>
             <a:lstStyle/>
-            <a:p/>
+            <a:p>
+              <a:endParaRPr/>
+            </a:p>
           </p:txBody>
         </p:sp>
         <p:sp>
@@ -17410,7 +17551,9 @@
           <p:txBody>
             <a:bodyPr wrap="square" lIns="0" tIns="0" rIns="0" bIns="0" rtlCol="0"/>
             <a:lstStyle/>
-            <a:p/>
+            <a:p>
+              <a:endParaRPr/>
+            </a:p>
           </p:txBody>
         </p:sp>
         <p:pic>
@@ -17420,7 +17563,7 @@
             <p:nvPr/>
           </p:nvPicPr>
           <p:blipFill>
-            <a:blip r:embed="rId1" cstate="print"/>
+            <a:blip r:embed="rId2" cstate="print"/>
             <a:stretch>
               <a:fillRect/>
             </a:stretch>
@@ -18628,9 +18771,11 @@
         <p:spPr/>
         <p:txBody>
           <a:bodyPr/>
+          <a:lstStyle/>
           <a:p>
             <a:fld id="{B6F15528-21DE-4FAA-801E-634DDDAF4B2B}" type="slidenum">
               <a:rPr/>
+              <a:t>20</a:t>
             </a:fld>
             <a:endParaRPr/>
           </a:p>
@@ -18720,7 +18865,9 @@
           <p:txBody>
             <a:bodyPr wrap="square" lIns="0" tIns="0" rIns="0" bIns="0" rtlCol="0"/>
             <a:lstStyle/>
-            <a:p/>
+            <a:p>
+              <a:endParaRPr/>
+            </a:p>
           </p:txBody>
         </p:sp>
         <p:sp>
@@ -18768,7 +18915,9 @@
           <p:txBody>
             <a:bodyPr wrap="square" lIns="0" tIns="0" rIns="0" bIns="0" rtlCol="0"/>
             <a:lstStyle/>
-            <a:p/>
+            <a:p>
+              <a:endParaRPr/>
+            </a:p>
           </p:txBody>
         </p:sp>
         <p:sp>
@@ -18818,7 +18967,9 @@
           <p:txBody>
             <a:bodyPr wrap="square" lIns="0" tIns="0" rIns="0" bIns="0" rtlCol="0"/>
             <a:lstStyle/>
-            <a:p/>
+            <a:p>
+              <a:endParaRPr/>
+            </a:p>
           </p:txBody>
         </p:sp>
         <p:pic>
@@ -18828,7 +18979,7 @@
             <p:nvPr/>
           </p:nvPicPr>
           <p:blipFill>
-            <a:blip r:embed="rId1" cstate="print"/>
+            <a:blip r:embed="rId2" cstate="print"/>
             <a:stretch>
               <a:fillRect/>
             </a:stretch>
@@ -20253,17 +20404,7 @@
                 <a:latin typeface="Arial" panose="020B0604020202020204"/>
                 <a:cs typeface="Arial" panose="020B0604020202020204"/>
               </a:rPr>
-              <a:t>v</a:t>
-            </a:r>
-            <a:r>
-              <a:rPr sz="3600" b="1" spc="-65" dirty="0">
-                <a:solidFill>
-                  <a:srgbClr val="9BC850"/>
-                </a:solidFill>
-                <a:latin typeface="Arial" panose="020B0604020202020204"/>
-                <a:cs typeface="Arial" panose="020B0604020202020204"/>
-              </a:rPr>
-              <a:t>i</a:t>
+              <a:t>vi</a:t>
             </a:r>
             <a:r>
               <a:rPr sz="3600" b="1" spc="70" dirty="0">
@@ -20477,9 +20618,11 @@
         <p:spPr/>
         <p:txBody>
           <a:bodyPr/>
+          <a:lstStyle/>
           <a:p>
             <a:fld id="{B6F15528-21DE-4FAA-801E-634DDDAF4B2B}" type="slidenum">
               <a:rPr/>
+              <a:t>21</a:t>
             </a:fld>
             <a:endParaRPr/>
           </a:p>
@@ -20569,7 +20712,9 @@
           <p:txBody>
             <a:bodyPr wrap="square" lIns="0" tIns="0" rIns="0" bIns="0" rtlCol="0"/>
             <a:lstStyle/>
-            <a:p/>
+            <a:p>
+              <a:endParaRPr/>
+            </a:p>
           </p:txBody>
         </p:sp>
         <p:sp>
@@ -20617,7 +20762,9 @@
           <p:txBody>
             <a:bodyPr wrap="square" lIns="0" tIns="0" rIns="0" bIns="0" rtlCol="0"/>
             <a:lstStyle/>
-            <a:p/>
+            <a:p>
+              <a:endParaRPr/>
+            </a:p>
           </p:txBody>
         </p:sp>
         <p:sp>
@@ -20667,7 +20814,9 @@
           <p:txBody>
             <a:bodyPr wrap="square" lIns="0" tIns="0" rIns="0" bIns="0" rtlCol="0"/>
             <a:lstStyle/>
-            <a:p/>
+            <a:p>
+              <a:endParaRPr/>
+            </a:p>
           </p:txBody>
         </p:sp>
         <p:pic>
@@ -20677,7 +20826,7 @@
             <p:nvPr/>
           </p:nvPicPr>
           <p:blipFill>
-            <a:blip r:embed="rId1" cstate="print"/>
+            <a:blip r:embed="rId2" cstate="print"/>
             <a:stretch>
               <a:fillRect/>
             </a:stretch>
@@ -20956,7 +21105,6 @@
               <a:rPr spc="35" dirty="0"/>
               <a:t>dependency</a:t>
             </a:r>
-            <a:endParaRPr spc="35" dirty="0"/>
           </a:p>
           <a:p>
             <a:pPr marL="970280">
@@ -20995,7 +21143,6 @@
               <a:rPr spc="20" dirty="0"/>
               <a:t>parameter</a:t>
             </a:r>
-            <a:endParaRPr spc="20" dirty="0"/>
           </a:p>
           <a:p>
             <a:pPr marL="970280">
@@ -21058,7 +21205,6 @@
               <a:rPr spc="20" dirty="0"/>
               <a:t>instantiated</a:t>
             </a:r>
-            <a:endParaRPr spc="20" dirty="0"/>
           </a:p>
         </p:txBody>
       </p:sp>
@@ -21202,9 +21348,11 @@
         <p:spPr/>
         <p:txBody>
           <a:bodyPr/>
+          <a:lstStyle/>
           <a:p>
             <a:fld id="{B6F15528-21DE-4FAA-801E-634DDDAF4B2B}" type="slidenum">
               <a:rPr/>
+              <a:t>22</a:t>
             </a:fld>
             <a:endParaRPr/>
           </a:p>
@@ -21280,7 +21428,6 @@
               <a:rPr spc="110" dirty="0"/>
               <a:t>Architecture</a:t>
             </a:r>
-            <a:endParaRPr spc="110" dirty="0"/>
           </a:p>
         </p:txBody>
       </p:sp>
@@ -21403,7 +21550,9 @@
           <p:txBody>
             <a:bodyPr wrap="square" lIns="0" tIns="0" rIns="0" bIns="0" rtlCol="0"/>
             <a:lstStyle/>
-            <a:p/>
+            <a:p>
+              <a:endParaRPr/>
+            </a:p>
           </p:txBody>
         </p:sp>
         <p:sp>
@@ -21508,7 +21657,9 @@
           <p:txBody>
             <a:bodyPr wrap="square" lIns="0" tIns="0" rIns="0" bIns="0" rtlCol="0"/>
             <a:lstStyle/>
-            <a:p/>
+            <a:p>
+              <a:endParaRPr/>
+            </a:p>
           </p:txBody>
         </p:sp>
       </p:grpSp>
@@ -21614,7 +21765,9 @@
         <p:txBody>
           <a:bodyPr wrap="square" lIns="0" tIns="0" rIns="0" bIns="0" rtlCol="0"/>
           <a:lstStyle/>
-          <a:p/>
+          <a:p>
+            <a:endParaRPr/>
+          </a:p>
         </p:txBody>
       </p:sp>
       <p:sp>
@@ -21701,7 +21854,9 @@
         <p:txBody>
           <a:bodyPr wrap="square" lIns="0" tIns="0" rIns="0" bIns="0" rtlCol="0"/>
           <a:lstStyle/>
-          <a:p/>
+          <a:p>
+            <a:endParaRPr/>
+          </a:p>
         </p:txBody>
       </p:sp>
       <p:grpSp>
@@ -21823,7 +21978,9 @@
           <p:txBody>
             <a:bodyPr wrap="square" lIns="0" tIns="0" rIns="0" bIns="0" rtlCol="0"/>
             <a:lstStyle/>
-            <a:p/>
+            <a:p>
+              <a:endParaRPr/>
+            </a:p>
           </p:txBody>
         </p:sp>
         <p:sp>
@@ -21931,7 +22088,9 @@
           <p:txBody>
             <a:bodyPr wrap="square" lIns="0" tIns="0" rIns="0" bIns="0" rtlCol="0"/>
             <a:lstStyle/>
-            <a:p/>
+            <a:p>
+              <a:endParaRPr/>
+            </a:p>
           </p:txBody>
         </p:sp>
       </p:grpSp>
@@ -22656,9 +22815,11 @@
         <p:spPr/>
         <p:txBody>
           <a:bodyPr/>
+          <a:lstStyle/>
           <a:p>
             <a:fld id="{B6F15528-21DE-4FAA-801E-634DDDAF4B2B}" type="slidenum">
               <a:rPr/>
+              <a:t>23</a:t>
             </a:fld>
             <a:endParaRPr/>
           </a:p>
@@ -22734,7 +22895,6 @@
               <a:rPr spc="110" dirty="0"/>
               <a:t>Architecture</a:t>
             </a:r>
-            <a:endParaRPr spc="110" dirty="0"/>
           </a:p>
         </p:txBody>
       </p:sp>
@@ -22857,7 +23017,9 @@
           <p:txBody>
             <a:bodyPr wrap="square" lIns="0" tIns="0" rIns="0" bIns="0" rtlCol="0"/>
             <a:lstStyle/>
-            <a:p/>
+            <a:p>
+              <a:endParaRPr/>
+            </a:p>
           </p:txBody>
         </p:sp>
         <p:sp>
@@ -22962,7 +23124,9 @@
           <p:txBody>
             <a:bodyPr wrap="square" lIns="0" tIns="0" rIns="0" bIns="0" rtlCol="0"/>
             <a:lstStyle/>
-            <a:p/>
+            <a:p>
+              <a:endParaRPr/>
+            </a:p>
           </p:txBody>
         </p:sp>
       </p:grpSp>
@@ -23068,7 +23232,9 @@
         <p:txBody>
           <a:bodyPr wrap="square" lIns="0" tIns="0" rIns="0" bIns="0" rtlCol="0"/>
           <a:lstStyle/>
-          <a:p/>
+          <a:p>
+            <a:endParaRPr/>
+          </a:p>
         </p:txBody>
       </p:sp>
       <p:sp>
@@ -23155,7 +23321,9 @@
         <p:txBody>
           <a:bodyPr wrap="square" lIns="0" tIns="0" rIns="0" bIns="0" rtlCol="0"/>
           <a:lstStyle/>
-          <a:p/>
+          <a:p>
+            <a:endParaRPr/>
+          </a:p>
         </p:txBody>
       </p:sp>
       <p:grpSp>
@@ -23277,7 +23445,9 @@
           <p:txBody>
             <a:bodyPr wrap="square" lIns="0" tIns="0" rIns="0" bIns="0" rtlCol="0"/>
             <a:lstStyle/>
-            <a:p/>
+            <a:p>
+              <a:endParaRPr/>
+            </a:p>
           </p:txBody>
         </p:sp>
         <p:sp>
@@ -23385,7 +23555,9 @@
           <p:txBody>
             <a:bodyPr wrap="square" lIns="0" tIns="0" rIns="0" bIns="0" rtlCol="0"/>
             <a:lstStyle/>
-            <a:p/>
+            <a:p>
+              <a:endParaRPr/>
+            </a:p>
           </p:txBody>
         </p:sp>
       </p:grpSp>
@@ -24110,9 +24282,11 @@
         <p:spPr/>
         <p:txBody>
           <a:bodyPr/>
+          <a:lstStyle/>
           <a:p>
             <a:fld id="{B6F15528-21DE-4FAA-801E-634DDDAF4B2B}" type="slidenum">
               <a:rPr/>
+              <a:t>24</a:t>
             </a:fld>
             <a:endParaRPr/>
           </a:p>
@@ -24313,7 +24487,7 @@
           <p:nvPr/>
         </p:nvPicPr>
         <p:blipFill>
-          <a:blip r:embed="rId1" cstate="print"/>
+          <a:blip r:embed="rId2" cstate="print"/>
           <a:stretch>
             <a:fillRect/>
           </a:stretch>
@@ -24341,9 +24515,11 @@
         <p:spPr/>
         <p:txBody>
           <a:bodyPr/>
+          <a:lstStyle/>
           <a:p>
             <a:fld id="{B6F15528-21DE-4FAA-801E-634DDDAF4B2B}" type="slidenum">
               <a:rPr/>
+              <a:t>25</a:t>
             </a:fld>
             <a:endParaRPr/>
           </a:p>
@@ -24445,17 +24621,7 @@
                 <a:latin typeface="Lucida Sans Unicode" panose="020B0602030504020204"/>
                 <a:cs typeface="Lucida Sans Unicode" panose="020B0602030504020204"/>
               </a:rPr>
-              <a:t>v</a:t>
-            </a:r>
-            <a:r>
-              <a:rPr sz="6600" spc="-150" dirty="0">
-                <a:solidFill>
-                  <a:srgbClr val="A62E5C"/>
-                </a:solidFill>
-                <a:latin typeface="Lucida Sans Unicode" panose="020B0602030504020204"/>
-                <a:cs typeface="Lucida Sans Unicode" panose="020B0602030504020204"/>
-              </a:rPr>
-              <a:t>ic</a:t>
+              <a:t>vic</a:t>
             </a:r>
             <a:r>
               <a:rPr sz="6600" spc="15" dirty="0">
@@ -24741,17 +24907,7 @@
                 <a:latin typeface="Arial" panose="020B0604020202020204"/>
                 <a:cs typeface="Arial" panose="020B0604020202020204"/>
               </a:rPr>
-              <a:t>u</a:t>
-            </a:r>
-            <a:r>
-              <a:rPr sz="3400" b="1" spc="-10" dirty="0">
-                <a:solidFill>
-                  <a:srgbClr val="404040"/>
-                </a:solidFill>
-                <a:latin typeface="Arial" panose="020B0604020202020204"/>
-                <a:cs typeface="Arial" panose="020B0604020202020204"/>
-              </a:rPr>
-              <a:t>r</a:t>
+              <a:t>ur</a:t>
             </a:r>
             <a:r>
               <a:rPr sz="3400" b="1" spc="-20" dirty="0">
@@ -25260,9 +25416,11 @@
         <p:spPr/>
         <p:txBody>
           <a:bodyPr/>
+          <a:lstStyle/>
           <a:p>
             <a:fld id="{B6F15528-21DE-4FAA-801E-634DDDAF4B2B}" type="slidenum">
               <a:rPr/>
+              <a:t>3</a:t>
             </a:fld>
             <a:endParaRPr/>
           </a:p>
@@ -25300,7 +25458,7 @@
           <p:nvPr/>
         </p:nvPicPr>
         <p:blipFill>
-          <a:blip r:embed="rId1" cstate="print"/>
+          <a:blip r:embed="rId2" cstate="print"/>
           <a:stretch>
             <a:fillRect/>
           </a:stretch>
@@ -25659,9 +25817,11 @@
         <p:spPr/>
         <p:txBody>
           <a:bodyPr/>
+          <a:lstStyle/>
           <a:p>
             <a:fld id="{B6F15528-21DE-4FAA-801E-634DDDAF4B2B}" type="slidenum">
               <a:rPr/>
+              <a:t>4</a:t>
             </a:fld>
             <a:endParaRPr/>
           </a:p>
@@ -25737,7 +25897,6 @@
               <a:rPr spc="110" dirty="0"/>
               <a:t>Architecture</a:t>
             </a:r>
-            <a:endParaRPr spc="110" dirty="0"/>
           </a:p>
         </p:txBody>
       </p:sp>
@@ -25860,7 +26019,9 @@
           <p:txBody>
             <a:bodyPr wrap="square" lIns="0" tIns="0" rIns="0" bIns="0" rtlCol="0"/>
             <a:lstStyle/>
-            <a:p/>
+            <a:p>
+              <a:endParaRPr/>
+            </a:p>
           </p:txBody>
         </p:sp>
         <p:sp>
@@ -25965,7 +26126,9 @@
           <p:txBody>
             <a:bodyPr wrap="square" lIns="0" tIns="0" rIns="0" bIns="0" rtlCol="0"/>
             <a:lstStyle/>
-            <a:p/>
+            <a:p>
+              <a:endParaRPr/>
+            </a:p>
           </p:txBody>
         </p:sp>
       </p:grpSp>
@@ -26071,7 +26234,9 @@
         <p:txBody>
           <a:bodyPr wrap="square" lIns="0" tIns="0" rIns="0" bIns="0" rtlCol="0"/>
           <a:lstStyle/>
-          <a:p/>
+          <a:p>
+            <a:endParaRPr/>
+          </a:p>
         </p:txBody>
       </p:sp>
       <p:sp>
@@ -26158,7 +26323,9 @@
         <p:txBody>
           <a:bodyPr wrap="square" lIns="0" tIns="0" rIns="0" bIns="0" rtlCol="0"/>
           <a:lstStyle/>
-          <a:p/>
+          <a:p>
+            <a:endParaRPr/>
+          </a:p>
         </p:txBody>
       </p:sp>
       <p:grpSp>
@@ -26280,7 +26447,9 @@
           <p:txBody>
             <a:bodyPr wrap="square" lIns="0" tIns="0" rIns="0" bIns="0" rtlCol="0"/>
             <a:lstStyle/>
-            <a:p/>
+            <a:p>
+              <a:endParaRPr/>
+            </a:p>
           </p:txBody>
         </p:sp>
         <p:sp>
@@ -26388,7 +26557,9 @@
           <p:txBody>
             <a:bodyPr wrap="square" lIns="0" tIns="0" rIns="0" bIns="0" rtlCol="0"/>
             <a:lstStyle/>
-            <a:p/>
+            <a:p>
+              <a:endParaRPr/>
+            </a:p>
           </p:txBody>
         </p:sp>
       </p:grpSp>
@@ -27113,9 +27284,11 @@
         <p:spPr/>
         <p:txBody>
           <a:bodyPr/>
+          <a:lstStyle/>
           <a:p>
             <a:fld id="{B6F15528-21DE-4FAA-801E-634DDDAF4B2B}" type="slidenum">
               <a:rPr/>
+              <a:t>5</a:t>
             </a:fld>
             <a:endParaRPr/>
           </a:p>
@@ -27205,7 +27378,9 @@
           <p:txBody>
             <a:bodyPr wrap="square" lIns="0" tIns="0" rIns="0" bIns="0" rtlCol="0"/>
             <a:lstStyle/>
-            <a:p/>
+            <a:p>
+              <a:endParaRPr/>
+            </a:p>
           </p:txBody>
         </p:sp>
         <p:sp>
@@ -27661,7 +27836,9 @@
           <p:txBody>
             <a:bodyPr wrap="square" lIns="0" tIns="0" rIns="0" bIns="0" rtlCol="0"/>
             <a:lstStyle/>
-            <a:p/>
+            <a:p>
+              <a:endParaRPr/>
+            </a:p>
           </p:txBody>
         </p:sp>
         <p:sp>
@@ -28119,7 +28296,9 @@
           <p:txBody>
             <a:bodyPr wrap="square" lIns="0" tIns="0" rIns="0" bIns="0" rtlCol="0"/>
             <a:lstStyle/>
-            <a:p/>
+            <a:p>
+              <a:endParaRPr/>
+            </a:p>
           </p:txBody>
         </p:sp>
       </p:grpSp>
@@ -28388,7 +28567,6 @@
               <a:rPr spc="-170" dirty="0"/>
               <a:t>Work?</a:t>
             </a:r>
-            <a:endParaRPr spc="-170" dirty="0"/>
           </a:p>
         </p:txBody>
       </p:sp>
@@ -28543,9 +28721,11 @@
         <p:spPr/>
         <p:txBody>
           <a:bodyPr/>
+          <a:lstStyle/>
           <a:p>
             <a:fld id="{B6F15528-21DE-4FAA-801E-634DDDAF4B2B}" type="slidenum">
               <a:rPr/>
+              <a:t>6</a:t>
             </a:fld>
             <a:endParaRPr/>
           </a:p>
@@ -28637,7 +28817,6 @@
               <a:rPr spc="-170" dirty="0"/>
               <a:t>Work?</a:t>
             </a:r>
-            <a:endParaRPr spc="-170" dirty="0"/>
           </a:p>
         </p:txBody>
       </p:sp>
@@ -28956,7 +29135,9 @@
           <p:txBody>
             <a:bodyPr wrap="square" lIns="0" tIns="0" rIns="0" bIns="0" rtlCol="0"/>
             <a:lstStyle/>
-            <a:p/>
+            <a:p>
+              <a:endParaRPr/>
+            </a:p>
           </p:txBody>
         </p:sp>
         <p:sp>
@@ -29006,7 +29187,9 @@
           <p:txBody>
             <a:bodyPr wrap="square" lIns="0" tIns="0" rIns="0" bIns="0" rtlCol="0"/>
             <a:lstStyle/>
-            <a:p/>
+            <a:p>
+              <a:endParaRPr/>
+            </a:p>
           </p:txBody>
         </p:sp>
         <p:sp>
@@ -29462,7 +29645,9 @@
           <p:txBody>
             <a:bodyPr wrap="square" lIns="0" tIns="0" rIns="0" bIns="0" rtlCol="0"/>
             <a:lstStyle/>
-            <a:p/>
+            <a:p>
+              <a:endParaRPr/>
+            </a:p>
           </p:txBody>
         </p:sp>
         <p:sp>
@@ -29920,7 +30105,9 @@
           <p:txBody>
             <a:bodyPr wrap="square" lIns="0" tIns="0" rIns="0" bIns="0" rtlCol="0"/>
             <a:lstStyle/>
-            <a:p/>
+            <a:p>
+              <a:endParaRPr/>
+            </a:p>
           </p:txBody>
         </p:sp>
         <p:sp>
@@ -30376,7 +30563,9 @@
           <p:txBody>
             <a:bodyPr wrap="square" lIns="0" tIns="0" rIns="0" bIns="0" rtlCol="0"/>
             <a:lstStyle/>
-            <a:p/>
+            <a:p>
+              <a:endParaRPr/>
+            </a:p>
           </p:txBody>
         </p:sp>
         <p:sp>
@@ -30834,7 +31023,9 @@
           <p:txBody>
             <a:bodyPr wrap="square" lIns="0" tIns="0" rIns="0" bIns="0" rtlCol="0"/>
             <a:lstStyle/>
-            <a:p/>
+            <a:p>
+              <a:endParaRPr/>
+            </a:p>
           </p:txBody>
         </p:sp>
       </p:grpSp>
@@ -30888,17 +31079,7 @@
                 <a:latin typeface="Arial" panose="020B0604020202020204"/>
                 <a:cs typeface="Arial" panose="020B0604020202020204"/>
               </a:rPr>
-              <a:t>g</a:t>
-            </a:r>
-            <a:r>
-              <a:rPr sz="4200" b="1" dirty="0">
-                <a:solidFill>
-                  <a:srgbClr val="FFFFFF"/>
-                </a:solidFill>
-                <a:latin typeface="Arial" panose="020B0604020202020204"/>
-                <a:cs typeface="Arial" panose="020B0604020202020204"/>
-              </a:rPr>
-              <a:t>	</a:t>
+              <a:t>g	</a:t>
             </a:r>
             <a:r>
               <a:rPr sz="4200" b="1" spc="-180" dirty="0">
@@ -31404,7 +31585,9 @@
           <p:txBody>
             <a:bodyPr wrap="square" lIns="0" tIns="0" rIns="0" bIns="0" rtlCol="0"/>
             <a:lstStyle/>
-            <a:p/>
+            <a:p>
+              <a:endParaRPr/>
+            </a:p>
           </p:txBody>
         </p:sp>
         <p:sp>
@@ -31862,7 +32045,9 @@
           <p:txBody>
             <a:bodyPr wrap="square" lIns="0" tIns="0" rIns="0" bIns="0" rtlCol="0"/>
             <a:lstStyle/>
-            <a:p/>
+            <a:p>
+              <a:endParaRPr/>
+            </a:p>
           </p:txBody>
         </p:sp>
       </p:grpSp>
@@ -32071,9 +32256,11 @@
         <p:spPr/>
         <p:txBody>
           <a:bodyPr/>
+          <a:lstStyle/>
           <a:p>
             <a:fld id="{B6F15528-21DE-4FAA-801E-634DDDAF4B2B}" type="slidenum">
               <a:rPr/>
+              <a:t>7</a:t>
             </a:fld>
             <a:endParaRPr/>
           </a:p>
@@ -32261,17 +32448,7 @@
                 <a:latin typeface="Lucida Sans Unicode" panose="020B0602030504020204"/>
                 <a:cs typeface="Lucida Sans Unicode" panose="020B0602030504020204"/>
               </a:rPr>
-              <a:t>n</a:t>
-            </a:r>
-            <a:r>
-              <a:rPr sz="6600" spc="-290" dirty="0">
-                <a:solidFill>
-                  <a:srgbClr val="A62E5C"/>
-                </a:solidFill>
-                <a:latin typeface="Lucida Sans Unicode" panose="020B0602030504020204"/>
-                <a:cs typeface="Lucida Sans Unicode" panose="020B0602030504020204"/>
-              </a:rPr>
-              <a:t>je</a:t>
+              <a:t>nje</a:t>
             </a:r>
             <a:r>
               <a:rPr sz="6600" spc="200" dirty="0">
@@ -32779,9 +32956,11 @@
         <p:spPr/>
         <p:txBody>
           <a:bodyPr/>
+          <a:lstStyle/>
           <a:p>
             <a:fld id="{B6F15528-21DE-4FAA-801E-634DDDAF4B2B}" type="slidenum">
               <a:rPr/>
+              <a:t>8</a:t>
             </a:fld>
             <a:endParaRPr/>
           </a:p>
@@ -32849,7 +33028,9 @@
         <p:txBody>
           <a:bodyPr wrap="square" lIns="0" tIns="0" rIns="0" bIns="0" rtlCol="0"/>
           <a:lstStyle/>
-          <a:p/>
+          <a:p>
+            <a:endParaRPr/>
+          </a:p>
         </p:txBody>
       </p:sp>
       <p:sp>
@@ -32889,7 +33070,9 @@
         <p:txBody>
           <a:bodyPr wrap="square" lIns="0" tIns="0" rIns="0" bIns="0" rtlCol="0"/>
           <a:lstStyle/>
-          <a:p/>
+          <a:p>
+            <a:endParaRPr/>
+          </a:p>
         </p:txBody>
       </p:sp>
       <p:sp>
@@ -32929,7 +33112,9 @@
         <p:txBody>
           <a:bodyPr wrap="square" lIns="0" tIns="0" rIns="0" bIns="0" rtlCol="0"/>
           <a:lstStyle/>
-          <a:p/>
+          <a:p>
+            <a:endParaRPr/>
+          </a:p>
         </p:txBody>
       </p:sp>
       <p:sp>
@@ -32985,7 +33170,6 @@
               <a:rPr spc="-45" dirty="0"/>
               <a:t>Service</a:t>
             </a:r>
-            <a:endParaRPr spc="-45" dirty="0"/>
           </a:p>
         </p:txBody>
       </p:sp>
@@ -33354,7 +33538,7 @@
           <p:nvPr/>
         </p:nvPicPr>
         <p:blipFill>
-          <a:blip r:embed="rId1" cstate="print"/>
+          <a:blip r:embed="rId2" cstate="print"/>
           <a:stretch>
             <a:fillRect/>
           </a:stretch>
@@ -33376,7 +33560,7 @@
           <p:nvPr/>
         </p:nvPicPr>
         <p:blipFill>
-          <a:blip r:embed="rId2" cstate="print"/>
+          <a:blip r:embed="rId3" cstate="print"/>
           <a:stretch>
             <a:fillRect/>
           </a:stretch>
@@ -33398,7 +33582,7 @@
           <p:nvPr/>
         </p:nvPicPr>
         <p:blipFill>
-          <a:blip r:embed="rId3" cstate="print"/>
+          <a:blip r:embed="rId4" cstate="print"/>
           <a:stretch>
             <a:fillRect/>
           </a:stretch>
@@ -33426,9 +33610,11 @@
         <p:spPr/>
         <p:txBody>
           <a:bodyPr/>
+          <a:lstStyle/>
           <a:p>
             <a:fld id="{B6F15528-21DE-4FAA-801E-634DDDAF4B2B}" type="slidenum">
               <a:rPr/>
+              <a:t>9</a:t>
             </a:fld>
             <a:endParaRPr/>
           </a:p>
@@ -33720,6 +33906,8 @@
       </a:bgFillStyleLst>
     </a:fmtScheme>
   </a:themeElements>
+  <a:objectDefaults/>
+  <a:extraClrSchemeLst/>
   <a:extLst>
     <a:ext uri="{05A4C25C-085E-4340-85A3-A5531E510DB2}">
       <thm15:themeFamily xmlns:thm15="http://schemas.microsoft.com/office/thememl/2012/main" name="Office Theme" id="{62F939B6-93AF-4DB8-9C6B-D6C7DFDC589F}" vid="{4A3C46E8-61CC-4603-A589-7422A47A8E4A}"/>
@@ -33979,6 +34167,8 @@
       </a:bgFillStyleLst>
     </a:fmtScheme>
   </a:themeElements>
+  <a:objectDefaults/>
+  <a:extraClrSchemeLst/>
   <a:extLst>
     <a:ext uri="{05A4C25C-085E-4340-85A3-A5531E510DB2}">
       <thm15:themeFamily xmlns:thm15="http://schemas.microsoft.com/office/thememl/2012/main" name="Office Theme" id="{62F939B6-93AF-4DB8-9C6B-D6C7DFDC589F}" vid="{4A3C46E8-61CC-4603-A589-7422A47A8E4A}"/>
